--- a/UniData/System Integration.pptx
+++ b/UniData/System Integration.pptx
@@ -115,6 +115,22 @@
       </a:defRPr>
     </a:lvl9pPr>
   </p:defaultTextStyle>
+  <p:extLst>
+    <p:ext uri="{EFAFB233-063F-42B5-8137-9DF3F51BA10A}">
+      <p15:sldGuideLst xmlns:p15="http://schemas.microsoft.com/office/powerpoint/2012/main">
+        <p15:guide id="1" orient="horz" pos="2160">
+          <p15:clr>
+            <a:srgbClr val="A4A3A4"/>
+          </p15:clr>
+        </p15:guide>
+        <p15:guide id="2" pos="2880">
+          <p15:clr>
+            <a:srgbClr val="A4A3A4"/>
+          </p15:clr>
+        </p15:guide>
+      </p15:sldGuideLst>
+    </p:ext>
+  </p:extLst>
 </p:presentation>
 </file>
 
@@ -586,7 +602,7 @@
           <a:p>
             <a:fld id="{865C8B6B-024E-4A4D-A8AE-52B5CABE6DA0}" type="datetimeFigureOut">
               <a:rPr lang="en-CA" smtClean="0"/>
-              <a:t>2017-02-21</a:t>
+              <a:t>2019-02-15</a:t>
             </a:fld>
             <a:endParaRPr lang="en-CA"/>
           </a:p>
@@ -751,7 +767,7 @@
           <a:p>
             <a:fld id="{865C8B6B-024E-4A4D-A8AE-52B5CABE6DA0}" type="datetimeFigureOut">
               <a:rPr lang="en-CA" smtClean="0"/>
-              <a:t>2017-02-21</a:t>
+              <a:t>2019-02-15</a:t>
             </a:fld>
             <a:endParaRPr lang="en-CA"/>
           </a:p>
@@ -926,7 +942,7 @@
           <a:p>
             <a:fld id="{865C8B6B-024E-4A4D-A8AE-52B5CABE6DA0}" type="datetimeFigureOut">
               <a:rPr lang="en-CA" smtClean="0"/>
-              <a:t>2017-02-21</a:t>
+              <a:t>2019-02-15</a:t>
             </a:fld>
             <a:endParaRPr lang="en-CA"/>
           </a:p>
@@ -1091,7 +1107,7 @@
           <a:p>
             <a:fld id="{865C8B6B-024E-4A4D-A8AE-52B5CABE6DA0}" type="datetimeFigureOut">
               <a:rPr lang="en-CA" smtClean="0"/>
-              <a:t>2017-02-21</a:t>
+              <a:t>2019-02-15</a:t>
             </a:fld>
             <a:endParaRPr lang="en-CA"/>
           </a:p>
@@ -1644,7 +1660,7 @@
           <a:p>
             <a:fld id="{865C8B6B-024E-4A4D-A8AE-52B5CABE6DA0}" type="datetimeFigureOut">
               <a:rPr lang="en-CA" smtClean="0"/>
-              <a:t>2017-02-21</a:t>
+              <a:t>2019-02-15</a:t>
             </a:fld>
             <a:endParaRPr lang="en-CA"/>
           </a:p>
@@ -1904,7 +1920,7 @@
           <a:p>
             <a:fld id="{865C8B6B-024E-4A4D-A8AE-52B5CABE6DA0}" type="datetimeFigureOut">
               <a:rPr lang="en-CA" smtClean="0"/>
-              <a:t>2017-02-21</a:t>
+              <a:t>2019-02-15</a:t>
             </a:fld>
             <a:endParaRPr lang="en-CA"/>
           </a:p>
@@ -2392,7 +2408,7 @@
           <a:p>
             <a:fld id="{865C8B6B-024E-4A4D-A8AE-52B5CABE6DA0}" type="datetimeFigureOut">
               <a:rPr lang="en-CA" smtClean="0"/>
-              <a:t>2017-02-21</a:t>
+              <a:t>2019-02-15</a:t>
             </a:fld>
             <a:endParaRPr lang="en-CA"/>
           </a:p>
@@ -2505,7 +2521,7 @@
           <a:p>
             <a:fld id="{865C8B6B-024E-4A4D-A8AE-52B5CABE6DA0}" type="datetimeFigureOut">
               <a:rPr lang="en-CA" smtClean="0"/>
-              <a:t>2017-02-21</a:t>
+              <a:t>2019-02-15</a:t>
             </a:fld>
             <a:endParaRPr lang="en-CA"/>
           </a:p>
@@ -2595,7 +2611,7 @@
           <a:p>
             <a:fld id="{865C8B6B-024E-4A4D-A8AE-52B5CABE6DA0}" type="datetimeFigureOut">
               <a:rPr lang="en-CA" smtClean="0"/>
-              <a:t>2017-02-21</a:t>
+              <a:t>2019-02-15</a:t>
             </a:fld>
             <a:endParaRPr lang="en-CA"/>
           </a:p>
@@ -3025,7 +3041,7 @@
           <a:p>
             <a:fld id="{865C8B6B-024E-4A4D-A8AE-52B5CABE6DA0}" type="datetimeFigureOut">
               <a:rPr lang="en-CA" smtClean="0"/>
-              <a:t>2017-02-21</a:t>
+              <a:t>2019-02-15</a:t>
             </a:fld>
             <a:endParaRPr lang="en-CA"/>
           </a:p>
@@ -3558,7 +3574,7 @@
           <a:p>
             <a:fld id="{865C8B6B-024E-4A4D-A8AE-52B5CABE6DA0}" type="datetimeFigureOut">
               <a:rPr lang="en-CA" smtClean="0"/>
-              <a:t>2017-02-21</a:t>
+              <a:t>2019-02-15</a:t>
             </a:fld>
             <a:endParaRPr lang="en-CA"/>
           </a:p>
@@ -4398,7 +4414,7 @@
           <a:p>
             <a:fld id="{865C8B6B-024E-4A4D-A8AE-52B5CABE6DA0}" type="datetimeFigureOut">
               <a:rPr lang="en-CA" smtClean="0"/>
-              <a:t>2017-02-21</a:t>
+              <a:t>2019-02-15</a:t>
             </a:fld>
             <a:endParaRPr lang="en-CA"/>
           </a:p>
@@ -4919,10 +4935,15 @@
             <p:ph idx="1"/>
           </p:nvPr>
         </p:nvSpPr>
-        <p:spPr/>
+        <p:spPr>
+          <a:xfrm>
+            <a:off x="822960" y="1100628"/>
+            <a:ext cx="7520940" cy="3696524"/>
+          </a:xfrm>
+        </p:spPr>
         <p:txBody>
           <a:bodyPr>
-            <a:normAutofit lnSpcReduction="10000"/>
+            <a:normAutofit fontScale="92500" lnSpcReduction="10000"/>
           </a:bodyPr>
           <a:lstStyle/>
           <a:p>
@@ -4966,7 +4987,23 @@
             </a:pPr>
             <a:r>
               <a:rPr lang="en-CA" b="0" dirty="0" smtClean="0"/>
-              <a:t>ASP.NET Web API with JSON</a:t>
+              <a:t>HTTPs &amp; ASP.NET </a:t>
+            </a:r>
+            <a:r>
+              <a:rPr lang="en-CA" b="0" dirty="0" smtClean="0"/>
+              <a:t>Web API </a:t>
+            </a:r>
+            <a:r>
+              <a:rPr lang="en-CA" dirty="0" smtClean="0"/>
+              <a:t>with</a:t>
+            </a:r>
+            <a:r>
+              <a:rPr lang="en-CA" b="0" dirty="0" smtClean="0"/>
+              <a:t> </a:t>
+            </a:r>
+            <a:r>
+              <a:rPr lang="en-CA" b="0" dirty="0" smtClean="0"/>
+              <a:t>JSON</a:t>
             </a:r>
           </a:p>
           <a:p>
@@ -4976,8 +5013,29 @@
             </a:pPr>
             <a:r>
               <a:rPr lang="en-CA" b="0" dirty="0" smtClean="0"/>
-              <a:t>IIS with optional MS Queue for persistent message</a:t>
-            </a:r>
+              <a:t>IIS with optional MS Queue for persistent </a:t>
+            </a:r>
+            <a:r>
+              <a:rPr lang="en-CA" b="0" dirty="0" smtClean="0"/>
+              <a:t>message</a:t>
+            </a:r>
+          </a:p>
+          <a:p>
+            <a:pPr lvl="2">
+              <a:buFont typeface="Arial" panose="020B0604020202020204" pitchFamily="34" charset="0"/>
+              <a:buChar char="•"/>
+            </a:pPr>
+            <a:r>
+              <a:rPr lang="en-CA" dirty="0" smtClean="0"/>
+              <a:t>Or Kafka </a:t>
+            </a:r>
+            <a:r>
+              <a:rPr lang="en-CA" dirty="0" smtClean="0">
+                <a:sym typeface="Wingdings" panose="05000000000000000000" pitchFamily="2" charset="2"/>
+              </a:rPr>
+              <a:t></a:t>
+            </a:r>
+            <a:endParaRPr lang="en-CA" b="0" dirty="0" smtClean="0"/>
           </a:p>
           <a:p>
             <a:pPr>
@@ -4996,7 +5054,31 @@
             </a:pPr>
             <a:r>
               <a:rPr lang="en-CA" dirty="0" smtClean="0"/>
-              <a:t>Typescript or JavaScript for dynamic message conversion/mapping based on YAML or JSON configuration file.</a:t>
+              <a:t>Typescript/JavaScript or Python for </a:t>
+            </a:r>
+            <a:r>
+              <a:rPr lang="en-CA" dirty="0" smtClean="0"/>
+              <a:t>dynamic </a:t>
+            </a:r>
+            <a:r>
+              <a:rPr lang="en-CA" dirty="0" smtClean="0"/>
+              <a:t>data</a:t>
+            </a:r>
+            <a:r>
+              <a:rPr lang="en-CA" dirty="0" smtClean="0"/>
+              <a:t> </a:t>
+            </a:r>
+            <a:r>
+              <a:rPr lang="en-CA" dirty="0" smtClean="0"/>
+              <a:t>conversion/mapping based on YAML or </a:t>
+            </a:r>
+            <a:r>
+              <a:rPr lang="en-CA" dirty="0" smtClean="0"/>
+              <a:t>JSON configuration </a:t>
+            </a:r>
+            <a:r>
+              <a:rPr lang="en-CA" dirty="0" smtClean="0"/>
+              <a:t>file.</a:t>
             </a:r>
             <a:endParaRPr lang="en-CA" b="0" dirty="0" smtClean="0"/>
           </a:p>
@@ -7051,7 +7133,71 @@
           <a:p>
             <a:r>
               <a:rPr lang="en-CA" sz="1000" dirty="0" smtClean="0"/>
-              <a:t>Text File</a:t>
+              <a:t>Text </a:t>
+            </a:r>
+            <a:r>
+              <a:rPr lang="en-CA" sz="1000" dirty="0" smtClean="0"/>
+              <a:t>File</a:t>
+            </a:r>
+            <a:endParaRPr lang="en-CA" sz="1000" dirty="0"/>
+          </a:p>
+        </p:txBody>
+      </p:sp>
+      <p:sp>
+        <p:nvSpPr>
+          <p:cNvPr id="28" name="TextBox 27"/>
+          <p:cNvSpPr txBox="1"/>
+          <p:nvPr/>
+        </p:nvSpPr>
+        <p:spPr>
+          <a:xfrm>
+            <a:off x="2594583" y="2893198"/>
+            <a:ext cx="790380" cy="246221"/>
+          </a:xfrm>
+          <a:prstGeom prst="rect">
+            <a:avLst/>
+          </a:prstGeom>
+          <a:noFill/>
+        </p:spPr>
+        <p:txBody>
+          <a:bodyPr wrap="square" rtlCol="0">
+            <a:spAutoFit/>
+          </a:bodyPr>
+          <a:lstStyle/>
+          <a:p>
+            <a:r>
+              <a:rPr lang="en-CA" sz="1000" dirty="0" smtClean="0"/>
+              <a:t>Push/Poll</a:t>
+            </a:r>
+            <a:endParaRPr lang="en-CA" sz="1000" dirty="0"/>
+          </a:p>
+        </p:txBody>
+      </p:sp>
+      <p:sp>
+        <p:nvSpPr>
+          <p:cNvPr id="29" name="TextBox 28"/>
+          <p:cNvSpPr txBox="1"/>
+          <p:nvPr/>
+        </p:nvSpPr>
+        <p:spPr>
+          <a:xfrm>
+            <a:off x="5580112" y="2910732"/>
+            <a:ext cx="790380" cy="246221"/>
+          </a:xfrm>
+          <a:prstGeom prst="rect">
+            <a:avLst/>
+          </a:prstGeom>
+          <a:noFill/>
+        </p:spPr>
+        <p:txBody>
+          <a:bodyPr wrap="square" rtlCol="0">
+            <a:spAutoFit/>
+          </a:bodyPr>
+          <a:lstStyle/>
+          <a:p>
+            <a:r>
+              <a:rPr lang="en-CA" sz="1000" dirty="0" smtClean="0"/>
+              <a:t>Push/Poll</a:t>
             </a:r>
             <a:endParaRPr lang="en-CA" sz="1000" dirty="0"/>
           </a:p>
@@ -7059,23 +7205,24 @@
       </p:sp>
       <p:cxnSp>
         <p:nvCxnSpPr>
-          <p:cNvPr id="27" name="Straight Arrow Connector 26"/>
+          <p:cNvPr id="9" name="Straight Arrow Connector 8"/>
           <p:cNvCxnSpPr>
-            <a:stCxn id="5" idx="2"/>
-            <a:endCxn id="6" idx="3"/>
+            <a:stCxn id="4" idx="6"/>
+            <a:endCxn id="6" idx="1"/>
           </p:cNvCxnSpPr>
           <p:nvPr/>
         </p:nvCxnSpPr>
         <p:spPr>
-          <a:xfrm flipH="1">
-            <a:off x="4932040" y="2876485"/>
-            <a:ext cx="1753073" cy="2445"/>
+          <a:xfrm>
+            <a:off x="2237587" y="2870938"/>
+            <a:ext cx="1470317" cy="7992"/>
           </a:xfrm>
           <a:prstGeom prst="straightConnector1">
             <a:avLst/>
           </a:prstGeom>
           <a:ln>
-            <a:tailEnd type="arrow"/>
+            <a:headEnd type="triangle"/>
+            <a:tailEnd type="triangle"/>
           </a:ln>
         </p:spPr>
         <p:style>
@@ -7093,85 +7240,25 @@
           </a:fontRef>
         </p:style>
       </p:cxnSp>
-      <p:sp>
-        <p:nvSpPr>
-          <p:cNvPr id="28" name="TextBox 27"/>
-          <p:cNvSpPr txBox="1"/>
-          <p:nvPr/>
-        </p:nvSpPr>
-        <p:spPr>
-          <a:xfrm>
-            <a:off x="2594583" y="2893198"/>
-            <a:ext cx="790380" cy="246221"/>
-          </a:xfrm>
-          <a:prstGeom prst="rect">
-            <a:avLst/>
-          </a:prstGeom>
-          <a:noFill/>
-        </p:spPr>
-        <p:txBody>
-          <a:bodyPr wrap="square" rtlCol="0">
-            <a:spAutoFit/>
-          </a:bodyPr>
-          <a:lstStyle/>
-          <a:p>
-            <a:r>
-              <a:rPr lang="en-CA" sz="1000" dirty="0" smtClean="0"/>
-              <a:t>Polling</a:t>
-            </a:r>
-            <a:endParaRPr lang="en-CA" sz="1000" dirty="0"/>
-          </a:p>
-        </p:txBody>
-      </p:sp>
-      <p:sp>
-        <p:nvSpPr>
-          <p:cNvPr id="29" name="TextBox 28"/>
-          <p:cNvSpPr txBox="1"/>
-          <p:nvPr/>
-        </p:nvSpPr>
-        <p:spPr>
-          <a:xfrm>
-            <a:off x="5580112" y="2910732"/>
-            <a:ext cx="790380" cy="246221"/>
-          </a:xfrm>
-          <a:prstGeom prst="rect">
-            <a:avLst/>
-          </a:prstGeom>
-          <a:noFill/>
-        </p:spPr>
-        <p:txBody>
-          <a:bodyPr wrap="square" rtlCol="0">
-            <a:spAutoFit/>
-          </a:bodyPr>
-          <a:lstStyle/>
-          <a:p>
-            <a:r>
-              <a:rPr lang="en-CA" sz="1000" dirty="0" smtClean="0"/>
-              <a:t>Polling</a:t>
-            </a:r>
-            <a:endParaRPr lang="en-CA" sz="1000" dirty="0"/>
-          </a:p>
-        </p:txBody>
-      </p:sp>
       <p:cxnSp>
         <p:nvCxnSpPr>
-          <p:cNvPr id="33" name="Straight Arrow Connector 32"/>
+          <p:cNvPr id="20" name="Straight Arrow Connector 19"/>
           <p:cNvCxnSpPr>
-            <a:stCxn id="4" idx="6"/>
-            <a:endCxn id="6" idx="1"/>
+            <a:endCxn id="5" idx="2"/>
           </p:cNvCxnSpPr>
           <p:nvPr/>
         </p:nvCxnSpPr>
         <p:spPr>
-          <a:xfrm>
-            <a:off x="2237587" y="2870938"/>
-            <a:ext cx="1470317" cy="7992"/>
+          <a:xfrm flipV="1">
+            <a:off x="4933783" y="2876485"/>
+            <a:ext cx="1751330" cy="10071"/>
           </a:xfrm>
           <a:prstGeom prst="straightConnector1">
             <a:avLst/>
           </a:prstGeom>
           <a:ln>
-            <a:tailEnd type="arrow"/>
+            <a:headEnd type="triangle"/>
+            <a:tailEnd type="triangle"/>
           </a:ln>
         </p:spPr>
         <p:style>
@@ -8249,7 +8336,7 @@
           <a:p>
             <a:r>
               <a:rPr lang="en-CA" sz="1000" dirty="0" smtClean="0"/>
-              <a:t>JSON File</a:t>
+              <a:t>JSON</a:t>
             </a:r>
             <a:endParaRPr lang="en-CA" sz="1000" dirty="0"/>
           </a:p>
@@ -8279,7 +8366,11 @@
           <a:p>
             <a:r>
               <a:rPr lang="en-CA" sz="1000" dirty="0" smtClean="0"/>
-              <a:t>BAPI File</a:t>
+              <a:t>BAPI </a:t>
+            </a:r>
+            <a:r>
+              <a:rPr lang="en-CA" sz="1000" dirty="0" smtClean="0"/>
+              <a:t>File</a:t>
             </a:r>
             <a:endParaRPr lang="en-CA" sz="1000" dirty="0"/>
           </a:p>
@@ -9813,7 +9904,7 @@
         </p:nvSpPr>
         <p:spPr>
           <a:xfrm>
-            <a:off x="2552465" y="2467607"/>
+            <a:off x="2628965" y="2467828"/>
             <a:ext cx="720080" cy="246221"/>
           </a:xfrm>
           <a:prstGeom prst="rect">
@@ -9829,7 +9920,7 @@
           <a:p>
             <a:r>
               <a:rPr lang="en-CA" sz="1000" dirty="0" smtClean="0"/>
-              <a:t>JSON File</a:t>
+              <a:t>JSON</a:t>
             </a:r>
             <a:endParaRPr lang="en-CA" sz="1000" dirty="0"/>
           </a:p>
@@ -9843,7 +9934,7 @@
         </p:nvSpPr>
         <p:spPr>
           <a:xfrm rot="2960090">
-            <a:off x="5192110" y="3129772"/>
+            <a:off x="5250285" y="3177201"/>
             <a:ext cx="696654" cy="246221"/>
           </a:xfrm>
           <a:prstGeom prst="rect">
@@ -9859,7 +9950,7 @@
           <a:p>
             <a:r>
               <a:rPr lang="en-CA" sz="1000" dirty="0" smtClean="0"/>
-              <a:t>JSON File</a:t>
+              <a:t>JSON</a:t>
             </a:r>
             <a:endParaRPr lang="en-CA" sz="1000" dirty="0"/>
           </a:p>
@@ -9903,7 +9994,7 @@
         </p:nvSpPr>
         <p:spPr>
           <a:xfrm rot="2956381">
-            <a:off x="4862488" y="3273757"/>
+            <a:off x="4909651" y="3225550"/>
             <a:ext cx="940835" cy="246221"/>
           </a:xfrm>
           <a:prstGeom prst="rect">
@@ -10050,7 +10141,7 @@
         </p:nvSpPr>
         <p:spPr>
           <a:xfrm rot="18815566">
-            <a:off x="5988360" y="3051913"/>
+            <a:off x="6132536" y="2998512"/>
             <a:ext cx="699189" cy="246221"/>
           </a:xfrm>
           <a:prstGeom prst="rect">
@@ -10066,7 +10157,7 @@
           <a:p>
             <a:r>
               <a:rPr lang="en-CA" sz="1000" dirty="0" smtClean="0"/>
-              <a:t>JSON File</a:t>
+              <a:t>JSON</a:t>
             </a:r>
             <a:endParaRPr lang="en-CA" sz="1000" dirty="0"/>
           </a:p>
@@ -10080,7 +10171,7 @@
         </p:nvSpPr>
         <p:spPr>
           <a:xfrm>
-            <a:off x="5577216" y="2453959"/>
+            <a:off x="5687701" y="2479391"/>
             <a:ext cx="853336" cy="246221"/>
           </a:xfrm>
           <a:prstGeom prst="rect">
@@ -10096,7 +10187,7 @@
           <a:p>
             <a:r>
               <a:rPr lang="en-CA" sz="1000" dirty="0" smtClean="0"/>
-              <a:t>JSON File</a:t>
+              <a:t>JSON</a:t>
             </a:r>
             <a:endParaRPr lang="en-CA" sz="1000" dirty="0"/>
           </a:p>
@@ -10208,15 +10299,12 @@
       <p:cxnSp>
         <p:nvCxnSpPr>
           <p:cNvPr id="14" name="Straight Arrow Connector 13"/>
-          <p:cNvCxnSpPr>
-            <a:stCxn id="19" idx="0"/>
-            <a:endCxn id="6" idx="3"/>
-          </p:cNvCxnSpPr>
+          <p:cNvCxnSpPr/>
           <p:nvPr/>
         </p:nvCxnSpPr>
         <p:spPr>
           <a:xfrm flipH="1" flipV="1">
-            <a:off x="4932040" y="2726431"/>
+            <a:off x="4932443" y="2715107"/>
             <a:ext cx="1012083" cy="1095349"/>
           </a:xfrm>
           <a:prstGeom prst="straightConnector1">
